--- a/15_Ch03_SpringBootREST.pptx
+++ b/15_Ch03_SpringBootREST.pptx
@@ -5,7 +5,7 @@
     <p:sldMasterId id="2147483648" r:id="rId1"/>
   </p:sldMasterIdLst>
   <p:notesMasterIdLst>
-    <p:notesMasterId r:id="rId17"/>
+    <p:notesMasterId r:id="rId15"/>
   </p:notesMasterIdLst>
   <p:sldIdLst>
     <p:sldId id="256" r:id="rId2"/>
@@ -20,9 +20,7 @@
     <p:sldId id="269" r:id="rId11"/>
     <p:sldId id="267" r:id="rId12"/>
     <p:sldId id="268" r:id="rId13"/>
-    <p:sldId id="270" r:id="rId14"/>
-    <p:sldId id="271" r:id="rId15"/>
-    <p:sldId id="259" r:id="rId16"/>
+    <p:sldId id="259" r:id="rId14"/>
   </p:sldIdLst>
   <p:sldSz cx="9144000" cy="6858000" type="screen4x3"/>
   <p:notesSz cx="6858000" cy="9144000"/>
@@ -4667,10 +4665,6 @@
           </p:nvPr>
         </p:nvSpPr>
         <p:spPr>
-          <a:xfrm>
-            <a:off x="0" y="2130425"/>
-            <a:ext cx="9144000" cy="1470025"/>
-          </a:xfrm>
           <a:gradFill flip="none" rotWithShape="1">
             <a:gsLst>
               <a:gs pos="0">
@@ -4705,636 +4699,6 @@
           <a:lstStyle/>
           <a:p>
             <a:r>
-              <a:rPr lang="en-US" altLang="zh-TW" sz="4800" b="1" dirty="0" smtClean="0">
-                <a:solidFill>
-                  <a:srgbClr val="FFFF00"/>
-                </a:solidFill>
-              </a:rPr>
-              <a:t>3.2 Spring pom.xml</a:t>
-            </a:r>
-            <a:endParaRPr lang="zh-TW" altLang="en-US" sz="4800" b="1" dirty="0">
-              <a:solidFill>
-                <a:srgbClr val="FFFF00"/>
-              </a:solidFill>
-            </a:endParaRPr>
-          </a:p>
-        </p:txBody>
-      </p:sp>
-      <p:sp>
-        <p:nvSpPr>
-          <p:cNvPr id="3" name="副標題 2"/>
-          <p:cNvSpPr>
-            <a:spLocks noGrp="1"/>
-          </p:cNvSpPr>
-          <p:nvPr>
-            <p:ph type="subTitle" idx="1"/>
-          </p:nvPr>
-        </p:nvSpPr>
-        <p:spPr>
-          <a:xfrm>
-            <a:off x="1259632" y="4581128"/>
-            <a:ext cx="6400800" cy="694928"/>
-          </a:xfrm>
-        </p:spPr>
-        <p:txBody>
-          <a:bodyPr>
-            <a:normAutofit/>
-          </a:bodyPr>
-          <a:lstStyle/>
-          <a:p>
-            <a:r>
-              <a:rPr lang="en-US" altLang="zh-TW" dirty="0" smtClean="0">
-                <a:solidFill>
-                  <a:schemeClr val="tx1"/>
-                </a:solidFill>
-              </a:rPr>
-              <a:t>Peter H. Chen</a:t>
-            </a:r>
-            <a:endParaRPr lang="zh-TW" altLang="en-US" dirty="0">
-              <a:solidFill>
-                <a:schemeClr val="tx1"/>
-              </a:solidFill>
-            </a:endParaRPr>
-          </a:p>
-        </p:txBody>
-      </p:sp>
-      <p:sp>
-        <p:nvSpPr>
-          <p:cNvPr id="5" name="日期版面配置區 4"/>
-          <p:cNvSpPr>
-            <a:spLocks noGrp="1"/>
-          </p:cNvSpPr>
-          <p:nvPr>
-            <p:ph type="dt" sz="half" idx="10"/>
-          </p:nvPr>
-        </p:nvSpPr>
-        <p:spPr/>
-        <p:txBody>
-          <a:bodyPr/>
-          <a:lstStyle/>
-          <a:p>
-            <a:fld id="{C389EDC9-19E3-47AC-9C57-C6A24DEA81AD}" type="datetime1">
-              <a:rPr lang="zh-TW" altLang="en-US" smtClean="0"/>
-              <a:pPr/>
-              <a:t>2018/10/16</a:t>
-            </a:fld>
-            <a:endParaRPr lang="zh-TW" altLang="en-US"/>
-          </a:p>
-        </p:txBody>
-      </p:sp>
-      <p:sp>
-        <p:nvSpPr>
-          <p:cNvPr id="6" name="投影片編號版面配置區 5"/>
-          <p:cNvSpPr>
-            <a:spLocks noGrp="1"/>
-          </p:cNvSpPr>
-          <p:nvPr>
-            <p:ph type="sldNum" sz="quarter" idx="12"/>
-          </p:nvPr>
-        </p:nvSpPr>
-        <p:spPr/>
-        <p:txBody>
-          <a:bodyPr/>
-          <a:lstStyle/>
-          <a:p>
-            <a:fld id="{E4D7E63D-91F2-4366-A2C4-1B00C9E2590E}" type="slidenum">
-              <a:rPr lang="zh-TW" altLang="en-US" smtClean="0"/>
-              <a:pPr/>
-              <a:t>13</a:t>
-            </a:fld>
-            <a:endParaRPr lang="zh-TW" altLang="en-US"/>
-          </a:p>
-        </p:txBody>
-      </p:sp>
-      <p:pic>
-        <p:nvPicPr>
-          <p:cNvPr id="7" name="Picture 2"/>
-          <p:cNvPicPr>
-            <a:picLocks noChangeAspect="1" noChangeArrowheads="1"/>
-          </p:cNvPicPr>
-          <p:nvPr/>
-        </p:nvPicPr>
-        <p:blipFill>
-          <a:blip r:embed="rId2" cstate="print"/>
-          <a:srcRect/>
-          <a:stretch>
-            <a:fillRect/>
-          </a:stretch>
-        </p:blipFill>
-        <p:spPr bwMode="auto">
-          <a:xfrm>
-            <a:off x="3995936" y="3717032"/>
-            <a:ext cx="792088" cy="704824"/>
-          </a:xfrm>
-          <a:prstGeom prst="rect">
-            <a:avLst/>
-          </a:prstGeom>
-          <a:noFill/>
-          <a:ln w="9525">
-            <a:noFill/>
-            <a:miter lim="800000"/>
-            <a:headEnd/>
-            <a:tailEnd/>
-          </a:ln>
-        </p:spPr>
-      </p:pic>
-    </p:spTree>
-  </p:cSld>
-  <p:clrMapOvr>
-    <a:masterClrMapping/>
-  </p:clrMapOvr>
-</p:sld>
-</file>
-
-<file path=ppt/slides/slide14.xml><?xml version="1.0" encoding="utf-8"?>
-<p:sld xmlns:a="http://schemas.openxmlformats.org/drawingml/2006/main" xmlns:r="http://schemas.openxmlformats.org/officeDocument/2006/relationships" xmlns:p="http://schemas.openxmlformats.org/presentationml/2006/main">
-  <p:cSld>
-    <p:spTree>
-      <p:nvGrpSpPr>
-        <p:cNvPr id="1" name=""/>
-        <p:cNvGrpSpPr/>
-        <p:nvPr/>
-      </p:nvGrpSpPr>
-      <p:grpSpPr>
-        <a:xfrm>
-          <a:off x="0" y="0"/>
-          <a:ext cx="0" cy="0"/>
-          <a:chOff x="0" y="0"/>
-          <a:chExt cx="0" cy="0"/>
-        </a:xfrm>
-      </p:grpSpPr>
-      <p:pic>
-        <p:nvPicPr>
-          <p:cNvPr id="4099" name="Picture 3"/>
-          <p:cNvPicPr>
-            <a:picLocks noChangeAspect="1" noChangeArrowheads="1"/>
-          </p:cNvPicPr>
-          <p:nvPr/>
-        </p:nvPicPr>
-        <p:blipFill>
-          <a:blip r:embed="rId2" cstate="print"/>
-          <a:srcRect/>
-          <a:stretch>
-            <a:fillRect/>
-          </a:stretch>
-        </p:blipFill>
-        <p:spPr bwMode="auto">
-          <a:xfrm>
-            <a:off x="683568" y="1916832"/>
-            <a:ext cx="8157042" cy="2952328"/>
-          </a:xfrm>
-          <a:prstGeom prst="rect">
-            <a:avLst/>
-          </a:prstGeom>
-          <a:noFill/>
-          <a:ln w="9525">
-            <a:solidFill>
-              <a:srgbClr val="C00000"/>
-            </a:solidFill>
-            <a:miter lim="800000"/>
-            <a:headEnd/>
-            <a:tailEnd/>
-          </a:ln>
-        </p:spPr>
-      </p:pic>
-      <p:sp>
-        <p:nvSpPr>
-          <p:cNvPr id="2" name="標題 1"/>
-          <p:cNvSpPr>
-            <a:spLocks noGrp="1"/>
-          </p:cNvSpPr>
-          <p:nvPr>
-            <p:ph type="ctrTitle"/>
-          </p:nvPr>
-        </p:nvSpPr>
-        <p:spPr>
-          <a:xfrm>
-            <a:off x="0" y="1"/>
-            <a:ext cx="9144000" cy="764704"/>
-          </a:xfrm>
-          <a:gradFill flip="none" rotWithShape="1">
-            <a:gsLst>
-              <a:gs pos="0">
-                <a:srgbClr val="C00000">
-                  <a:shade val="30000"/>
-                  <a:satMod val="115000"/>
-                </a:srgbClr>
-              </a:gs>
-              <a:gs pos="50000">
-                <a:srgbClr val="C00000">
-                  <a:shade val="67500"/>
-                  <a:satMod val="115000"/>
-                </a:srgbClr>
-              </a:gs>
-              <a:gs pos="100000">
-                <a:srgbClr val="C00000">
-                  <a:shade val="100000"/>
-                  <a:satMod val="115000"/>
-                </a:srgbClr>
-              </a:gs>
-            </a:gsLst>
-            <a:path path="circle">
-              <a:fillToRect t="100000" r="100000"/>
-            </a:path>
-            <a:tileRect l="-100000" b="-100000"/>
-          </a:gradFill>
-        </p:spPr>
-        <p:txBody>
-          <a:bodyPr>
-            <a:normAutofit/>
-          </a:bodyPr>
-          <a:lstStyle/>
-          <a:p>
-            <a:pPr algn="l"/>
-            <a:r>
-              <a:rPr lang="en-US" altLang="zh-TW" b="1" dirty="0" smtClean="0">
-                <a:solidFill>
-                  <a:srgbClr val="FFFF00"/>
-                </a:solidFill>
-              </a:rPr>
-              <a:t>3.2 Spring pom.xml</a:t>
-            </a:r>
-            <a:endParaRPr lang="zh-TW" altLang="en-US" b="1" dirty="0">
-              <a:solidFill>
-                <a:srgbClr val="FFFF00"/>
-              </a:solidFill>
-            </a:endParaRPr>
-          </a:p>
-        </p:txBody>
-      </p:sp>
-      <p:sp>
-        <p:nvSpPr>
-          <p:cNvPr id="3" name="副標題 2"/>
-          <p:cNvSpPr>
-            <a:spLocks noGrp="1"/>
-          </p:cNvSpPr>
-          <p:nvPr>
-            <p:ph type="subTitle" idx="1"/>
-          </p:nvPr>
-        </p:nvSpPr>
-        <p:spPr>
-          <a:xfrm>
-            <a:off x="467544" y="1268760"/>
-            <a:ext cx="8064896" cy="576064"/>
-          </a:xfrm>
-          <a:ln>
-            <a:solidFill>
-              <a:srgbClr val="C00000"/>
-            </a:solidFill>
-          </a:ln>
-        </p:spPr>
-        <p:txBody>
-          <a:bodyPr>
-            <a:noAutofit/>
-          </a:bodyPr>
-          <a:lstStyle/>
-          <a:p>
-            <a:pPr marL="342900" indent="-342900" algn="l">
-              <a:buSzPct val="80000"/>
-              <a:buFont typeface="Wingdings" pitchFamily="2" charset="2"/>
-              <a:buChar char="u"/>
-            </a:pPr>
-            <a:r>
-              <a:rPr lang="en-US" altLang="zh-TW" dirty="0" smtClean="0"/>
-              <a:t>In </a:t>
-            </a:r>
-            <a:r>
-              <a:rPr lang="en-US" altLang="zh-TW" dirty="0" err="1" smtClean="0"/>
-              <a:t>application.properties</a:t>
-            </a:r>
-            <a:r>
-              <a:rPr lang="en-US" altLang="zh-TW" dirty="0" smtClean="0"/>
-              <a:t>, you can define “</a:t>
-            </a:r>
-            <a:r>
-              <a:rPr lang="en-US" altLang="zh-TW" dirty="0" err="1" smtClean="0"/>
-              <a:t>api</a:t>
-            </a:r>
-            <a:r>
-              <a:rPr lang="en-US" altLang="zh-TW" dirty="0" smtClean="0"/>
-              <a:t>” and route</a:t>
-            </a:r>
-            <a:r>
-              <a:rPr lang="en-US" altLang="zh-TW" dirty="0" smtClean="0">
-                <a:solidFill>
-                  <a:schemeClr val="tx1"/>
-                </a:solidFill>
-              </a:rPr>
-              <a:t> “localhost:8080/cars”</a:t>
-            </a:r>
-            <a:r>
-              <a:rPr lang="en-US" altLang="zh-TW" dirty="0" smtClean="0"/>
-              <a:t> to “localhost:8080/</a:t>
-            </a:r>
-            <a:r>
-              <a:rPr lang="en-US" altLang="zh-TW" dirty="0" err="1" smtClean="0"/>
-              <a:t>api</a:t>
-            </a:r>
-            <a:r>
-              <a:rPr lang="en-US" altLang="zh-TW" dirty="0" smtClean="0"/>
-              <a:t>/cars</a:t>
-            </a:r>
-            <a:r>
-              <a:rPr lang="en-US" altLang="zh-TW" dirty="0" smtClean="0"/>
-              <a:t>” </a:t>
-            </a:r>
-            <a:endParaRPr lang="en-US" altLang="zh-TW" dirty="0" smtClean="0">
-              <a:solidFill>
-                <a:schemeClr val="tx1"/>
-              </a:solidFill>
-            </a:endParaRPr>
-          </a:p>
-        </p:txBody>
-      </p:sp>
-      <p:sp>
-        <p:nvSpPr>
-          <p:cNvPr id="4" name="標題 1"/>
-          <p:cNvSpPr txBox="1">
-            <a:spLocks/>
-          </p:cNvSpPr>
-          <p:nvPr/>
-        </p:nvSpPr>
-        <p:spPr>
-          <a:xfrm>
-            <a:off x="0" y="764704"/>
-            <a:ext cx="9144000" cy="360040"/>
-          </a:xfrm>
-          <a:prstGeom prst="rect">
-            <a:avLst/>
-          </a:prstGeom>
-          <a:gradFill flip="none" rotWithShape="1">
-            <a:gsLst>
-              <a:gs pos="0">
-                <a:srgbClr val="00B0F0">
-                  <a:shade val="30000"/>
-                  <a:satMod val="115000"/>
-                </a:srgbClr>
-              </a:gs>
-              <a:gs pos="50000">
-                <a:srgbClr val="00B0F0">
-                  <a:shade val="67500"/>
-                  <a:satMod val="115000"/>
-                </a:srgbClr>
-              </a:gs>
-              <a:gs pos="100000">
-                <a:srgbClr val="00B0F0">
-                  <a:shade val="100000"/>
-                  <a:satMod val="115000"/>
-                </a:srgbClr>
-              </a:gs>
-            </a:gsLst>
-            <a:path path="circle">
-              <a:fillToRect t="100000" r="100000"/>
-            </a:path>
-            <a:tileRect l="-100000" b="-100000"/>
-          </a:gradFill>
-        </p:spPr>
-        <p:txBody>
-          <a:bodyPr vert="horz" lIns="91440" tIns="45720" rIns="91440" bIns="45720" rtlCol="0" anchor="ctr">
-            <a:normAutofit/>
-          </a:bodyPr>
-          <a:lstStyle/>
-          <a:p>
-            <a:pPr lvl="0">
-              <a:spcBef>
-                <a:spcPct val="0"/>
-              </a:spcBef>
-            </a:pPr>
-            <a:r>
-              <a:rPr lang="en-US" altLang="zh-TW" sz="1600" dirty="0" smtClean="0">
-                <a:latin typeface="+mj-lt"/>
-                <a:ea typeface="+mj-ea"/>
-                <a:cs typeface="+mj-cs"/>
-              </a:rPr>
-              <a:t>https://github.com/PacktPublishing/Hands-On-Full-Stack-Development-with-Spring-Boot-2.0-and-React</a:t>
-            </a:r>
-            <a:endParaRPr kumimoji="0" lang="zh-TW" altLang="en-US" sz="1600" b="0" i="0" u="none" strike="noStrike" kern="1200" cap="none" spc="0" normalizeH="0" baseline="0" noProof="0" dirty="0" smtClean="0">
-              <a:ln>
-                <a:noFill/>
-              </a:ln>
-              <a:solidFill>
-                <a:schemeClr val="tx1"/>
-              </a:solidFill>
-              <a:effectLst/>
-              <a:uLnTx/>
-              <a:uFillTx/>
-              <a:latin typeface="+mj-lt"/>
-              <a:ea typeface="+mj-ea"/>
-              <a:cs typeface="+mj-cs"/>
-            </a:endParaRPr>
-          </a:p>
-        </p:txBody>
-      </p:sp>
-      <p:sp>
-        <p:nvSpPr>
-          <p:cNvPr id="5" name="日期版面配置區 4"/>
-          <p:cNvSpPr>
-            <a:spLocks noGrp="1"/>
-          </p:cNvSpPr>
-          <p:nvPr>
-            <p:ph type="dt" sz="half" idx="10"/>
-          </p:nvPr>
-        </p:nvSpPr>
-        <p:spPr/>
-        <p:txBody>
-          <a:bodyPr/>
-          <a:lstStyle/>
-          <a:p>
-            <a:fld id="{A4F910E6-8D00-4BAF-8C48-9688E0B449D3}" type="datetime1">
-              <a:rPr lang="zh-TW" altLang="en-US" smtClean="0"/>
-              <a:pPr/>
-              <a:t>2018/10/16</a:t>
-            </a:fld>
-            <a:endParaRPr lang="zh-TW" altLang="en-US"/>
-          </a:p>
-        </p:txBody>
-      </p:sp>
-      <p:sp>
-        <p:nvSpPr>
-          <p:cNvPr id="6" name="投影片編號版面配置區 5"/>
-          <p:cNvSpPr>
-            <a:spLocks noGrp="1"/>
-          </p:cNvSpPr>
-          <p:nvPr>
-            <p:ph type="sldNum" sz="quarter" idx="12"/>
-          </p:nvPr>
-        </p:nvSpPr>
-        <p:spPr/>
-        <p:txBody>
-          <a:bodyPr/>
-          <a:lstStyle/>
-          <a:p>
-            <a:fld id="{E4D7E63D-91F2-4366-A2C4-1B00C9E2590E}" type="slidenum">
-              <a:rPr lang="zh-TW" altLang="en-US" smtClean="0"/>
-              <a:pPr/>
-              <a:t>14</a:t>
-            </a:fld>
-            <a:endParaRPr lang="zh-TW" altLang="en-US"/>
-          </a:p>
-        </p:txBody>
-      </p:sp>
-      <p:sp>
-        <p:nvSpPr>
-          <p:cNvPr id="10" name="矩形 9"/>
-          <p:cNvSpPr/>
-          <p:nvPr/>
-        </p:nvSpPr>
-        <p:spPr>
-          <a:xfrm>
-            <a:off x="3635896" y="4149080"/>
-            <a:ext cx="2520280" cy="288032"/>
-          </a:xfrm>
-          <a:prstGeom prst="rect">
-            <a:avLst/>
-          </a:prstGeom>
-          <a:noFill/>
-          <a:ln>
-            <a:solidFill>
-              <a:srgbClr val="C00000"/>
-            </a:solidFill>
-          </a:ln>
-        </p:spPr>
-        <p:style>
-          <a:lnRef idx="2">
-            <a:schemeClr val="accent1">
-              <a:shade val="50000"/>
-            </a:schemeClr>
-          </a:lnRef>
-          <a:fillRef idx="1">
-            <a:schemeClr val="accent1"/>
-          </a:fillRef>
-          <a:effectRef idx="0">
-            <a:schemeClr val="accent1"/>
-          </a:effectRef>
-          <a:fontRef idx="minor">
-            <a:schemeClr val="lt1"/>
-          </a:fontRef>
-        </p:style>
-        <p:txBody>
-          <a:bodyPr rtlCol="0" anchor="ctr"/>
-          <a:lstStyle/>
-          <a:p>
-            <a:pPr algn="ctr"/>
-            <a:endParaRPr lang="zh-TW" altLang="en-US"/>
-          </a:p>
-        </p:txBody>
-      </p:sp>
-      <p:sp>
-        <p:nvSpPr>
-          <p:cNvPr id="12" name="矩形 11"/>
-          <p:cNvSpPr/>
-          <p:nvPr/>
-        </p:nvSpPr>
-        <p:spPr>
-          <a:xfrm>
-            <a:off x="3635896" y="3140968"/>
-            <a:ext cx="2520280" cy="144016"/>
-          </a:xfrm>
-          <a:prstGeom prst="rect">
-            <a:avLst/>
-          </a:prstGeom>
-          <a:noFill/>
-          <a:ln>
-            <a:solidFill>
-              <a:srgbClr val="C00000"/>
-            </a:solidFill>
-          </a:ln>
-        </p:spPr>
-        <p:style>
-          <a:lnRef idx="2">
-            <a:schemeClr val="accent1">
-              <a:shade val="50000"/>
-            </a:schemeClr>
-          </a:lnRef>
-          <a:fillRef idx="1">
-            <a:schemeClr val="accent1"/>
-          </a:fillRef>
-          <a:effectRef idx="0">
-            <a:schemeClr val="accent1"/>
-          </a:effectRef>
-          <a:fontRef idx="minor">
-            <a:schemeClr val="lt1"/>
-          </a:fontRef>
-        </p:style>
-        <p:txBody>
-          <a:bodyPr rtlCol="0" anchor="ctr"/>
-          <a:lstStyle/>
-          <a:p>
-            <a:pPr algn="ctr"/>
-            <a:endParaRPr lang="zh-TW" altLang="en-US"/>
-          </a:p>
-        </p:txBody>
-      </p:sp>
-    </p:spTree>
-  </p:cSld>
-  <p:clrMapOvr>
-    <a:masterClrMapping/>
-  </p:clrMapOvr>
-</p:sld>
-</file>
-
-<file path=ppt/slides/slide15.xml><?xml version="1.0" encoding="utf-8"?>
-<p:sld xmlns:a="http://schemas.openxmlformats.org/drawingml/2006/main" xmlns:r="http://schemas.openxmlformats.org/officeDocument/2006/relationships" xmlns:p="http://schemas.openxmlformats.org/presentationml/2006/main">
-  <p:cSld>
-    <p:spTree>
-      <p:nvGrpSpPr>
-        <p:cNvPr id="1" name=""/>
-        <p:cNvGrpSpPr/>
-        <p:nvPr/>
-      </p:nvGrpSpPr>
-      <p:grpSpPr>
-        <a:xfrm>
-          <a:off x="0" y="0"/>
-          <a:ext cx="0" cy="0"/>
-          <a:chOff x="0" y="0"/>
-          <a:chExt cx="0" cy="0"/>
-        </a:xfrm>
-      </p:grpSpPr>
-      <p:sp>
-        <p:nvSpPr>
-          <p:cNvPr id="2" name="標題 1"/>
-          <p:cNvSpPr>
-            <a:spLocks noGrp="1"/>
-          </p:cNvSpPr>
-          <p:nvPr>
-            <p:ph type="ctrTitle"/>
-          </p:nvPr>
-        </p:nvSpPr>
-        <p:spPr>
-          <a:gradFill flip="none" rotWithShape="1">
-            <a:gsLst>
-              <a:gs pos="0">
-                <a:srgbClr val="00B0F0">
-                  <a:shade val="30000"/>
-                  <a:satMod val="115000"/>
-                </a:srgbClr>
-              </a:gs>
-              <a:gs pos="50000">
-                <a:srgbClr val="00B0F0">
-                  <a:shade val="67500"/>
-                  <a:satMod val="115000"/>
-                </a:srgbClr>
-              </a:gs>
-              <a:gs pos="100000">
-                <a:srgbClr val="00B0F0">
-                  <a:shade val="100000"/>
-                  <a:satMod val="115000"/>
-                </a:srgbClr>
-              </a:gs>
-            </a:gsLst>
-            <a:path path="circle">
-              <a:fillToRect t="100000" r="100000"/>
-            </a:path>
-            <a:tileRect l="-100000" b="-100000"/>
-          </a:gradFill>
-        </p:spPr>
-        <p:txBody>
-          <a:bodyPr>
-            <a:normAutofit/>
-          </a:bodyPr>
-          <a:lstStyle/>
-          <a:p>
-            <a:r>
               <a:rPr lang="en-US" altLang="zh-TW" sz="6000" b="1" dirty="0" smtClean="0">
                 <a:solidFill>
                   <a:srgbClr val="FFFF00"/>
@@ -5392,7 +4756,7 @@
             <a:fld id="{E4D7E63D-91F2-4366-A2C4-1B00C9E2590E}" type="slidenum">
               <a:rPr lang="zh-TW" altLang="en-US" smtClean="0"/>
               <a:pPr/>
-              <a:t>15</a:t>
+              <a:t>13</a:t>
             </a:fld>
             <a:endParaRPr lang="zh-TW" altLang="en-US"/>
           </a:p>
